--- a/public/user/output/U201812791-刘棫欣-1.《喜马拉雅FM免费增值策略对用户留存的影响的实证研究》/output_5_2.pptx
+++ b/public/user/output/U201812791-刘棫欣-1.《喜马拉雅FM免费增值策略对用户留存的影响的实证研究》/output_5_2.pptx
@@ -3611,7 +3611,7 @@
           <a:lstStyle/>
           <a:p>
             <a:pPr>
-              <a:defRPr b="1" sz="2200">
+              <a:defRPr b="0" sz="2000">
                 <a:solidFill>
                   <a:srgbClr val="000000"/>
                 </a:solidFill>
@@ -3619,7 +3619,7 @@
               </a:defRPr>
             </a:pPr>
             <a:r>
-              <a:t>3. 专辑特点</a:t>
+              <a:t>- 专辑（Album），是联系生态的纽带，即有声音频。</a:t>
             </a:r>
           </a:p>
         </p:txBody>
@@ -3655,7 +3655,7 @@
               </a:defRPr>
             </a:pPr>
             <a:r>
-              <a:t>- 专辑是联系生态纽带，为有声音频。</a:t>
+              <a:t>- 声音（Track），由不等数量声音组成专辑，声音时长各异，不同主播录制的声音有色声与特点，直播音频可存为专辑声音用于回听。</a:t>
             </a:r>
           </a:p>
         </p:txBody>
@@ -3691,7 +3691,7 @@
               </a:defRPr>
             </a:pPr>
             <a:r>
-              <a:t>4. 声音构成</a:t>
+              <a:t>3. 清洗相关</a:t>
             </a:r>
           </a:p>
         </p:txBody>
@@ -3727,7 +3727,7 @@
               </a:defRPr>
             </a:pPr>
             <a:r>
-              <a:t>- 专辑由声音组成，时长各异，主播声色有别。</a:t>
+              <a:t>- 清洗对象：以专辑维度为数据清洗对象。</a:t>
             </a:r>
           </a:p>
         </p:txBody>
